--- a/Sistema_MultiAgente_Orquestacion_Inteligente_.pptx
+++ b/Sistema_MultiAgente_Orquestacion_Inteligente_.pptx
@@ -16,9 +16,8 @@
     <p:sldId id="264" r:id="rId10"/>
     <p:sldId id="265" r:id="rId11"/>
     <p:sldId id="266" r:id="rId12"/>
-    <p:sldId id="267" r:id="rId13"/>
-    <p:sldId id="268" r:id="rId14"/>
-    <p:sldId id="269" r:id="rId15"/>
+    <p:sldId id="268" r:id="rId13"/>
+    <p:sldId id="269" r:id="rId14"/>
   </p:sldIdLst>
   <p:sldSz cx="9144000" cy="6858000" type="screen4x3"/>
   <p:notesSz cx="6858000" cy="9144000"/>
@@ -3175,6 +3174,65 @@
           </a:p>
         </p:txBody>
       </p:sp>
+      <p:sp>
+        <p:nvSpPr>
+          <p:cNvPr id="4" name="Freeform 7">
+            <a:extLst>
+              <a:ext uri="{FF2B5EF4-FFF2-40B4-BE49-F238E27FC236}">
+                <a16:creationId xmlns:a16="http://schemas.microsoft.com/office/drawing/2014/main" id="{05E6845E-4401-0288-30EA-3C6387091B9D}"/>
+              </a:ext>
+            </a:extLst>
+          </p:cNvPr>
+          <p:cNvSpPr/>
+          <p:nvPr/>
+        </p:nvSpPr>
+        <p:spPr>
+          <a:xfrm>
+            <a:off x="5084063" y="232277"/>
+            <a:ext cx="3639313" cy="663836"/>
+          </a:xfrm>
+          <a:custGeom>
+            <a:avLst/>
+            <a:gdLst/>
+            <a:ahLst/>
+            <a:cxnLst/>
+            <a:rect l="l" t="t" r="r" b="b"/>
+            <a:pathLst>
+              <a:path w="6776413" h="1135049">
+                <a:moveTo>
+                  <a:pt x="0" y="0"/>
+                </a:moveTo>
+                <a:lnTo>
+                  <a:pt x="6776414" y="0"/>
+                </a:lnTo>
+                <a:lnTo>
+                  <a:pt x="6776414" y="1135050"/>
+                </a:lnTo>
+                <a:lnTo>
+                  <a:pt x="0" y="1135050"/>
+                </a:lnTo>
+                <a:lnTo>
+                  <a:pt x="0" y="0"/>
+                </a:lnTo>
+                <a:close/>
+              </a:path>
+            </a:pathLst>
+          </a:custGeom>
+          <a:blipFill>
+            <a:blip r:embed="rId2"/>
+            <a:stretch>
+              <a:fillRect/>
+            </a:stretch>
+          </a:blipFill>
+        </p:spPr>
+        <p:txBody>
+          <a:bodyPr/>
+          <a:lstStyle/>
+          <a:p>
+            <a:endParaRPr lang="es-CL"/>
+          </a:p>
+        </p:txBody>
+      </p:sp>
     </p:spTree>
   </p:cSld>
   <p:clrMapOvr>
@@ -3231,7 +3289,12 @@
             <p:ph idx="1"/>
           </p:nvPr>
         </p:nvSpPr>
-        <p:spPr/>
+        <p:spPr>
+          <a:xfrm>
+            <a:off x="1591056" y="2651761"/>
+            <a:ext cx="6757416" cy="2642616"/>
+          </a:xfrm>
+        </p:spPr>
         <p:txBody>
           <a:bodyPr/>
           <a:lstStyle/>
@@ -3244,8 +3307,54 @@
               </a:defRPr>
             </a:pPr>
             <a:r>
-              <a:t>Por agente: consultas, tiempo de respuesta, problemas resueltos</a:t>
-            </a:r>
+              <a:rPr dirty="0"/>
+              <a:t>Por </a:t>
+            </a:r>
+            <a:r>
+              <a:rPr dirty="0" err="1"/>
+              <a:t>agente</a:t>
+            </a:r>
+            <a:r>
+              <a:rPr dirty="0"/>
+              <a:t>: </a:t>
+            </a:r>
+            <a:r>
+              <a:rPr dirty="0" err="1"/>
+              <a:t>consultas</a:t>
+            </a:r>
+            <a:r>
+              <a:rPr dirty="0"/>
+              <a:t>, </a:t>
+            </a:r>
+            <a:r>
+              <a:rPr dirty="0" err="1"/>
+              <a:t>tiempo</a:t>
+            </a:r>
+            <a:r>
+              <a:rPr dirty="0"/>
+              <a:t> de </a:t>
+            </a:r>
+            <a:r>
+              <a:rPr dirty="0" err="1"/>
+              <a:t>respuesta</a:t>
+            </a:r>
+            <a:r>
+              <a:rPr dirty="0"/>
+              <a:t>, </a:t>
+            </a:r>
+            <a:r>
+              <a:rPr dirty="0" err="1"/>
+              <a:t>problemas</a:t>
+            </a:r>
+            <a:r>
+              <a:rPr dirty="0"/>
+              <a:t> </a:t>
+            </a:r>
+            <a:r>
+              <a:rPr dirty="0" err="1"/>
+              <a:t>resueltos</a:t>
+            </a:r>
+            <a:endParaRPr dirty="0"/>
           </a:p>
           <a:p>
             <a:pPr algn="l">
@@ -3256,8 +3365,34 @@
               </a:defRPr>
             </a:pPr>
             <a:r>
-              <a:t>Globales: total de consultas, distribución, colaboraciones</a:t>
-            </a:r>
+              <a:rPr dirty="0" err="1"/>
+              <a:t>Globales</a:t>
+            </a:r>
+            <a:r>
+              <a:rPr dirty="0"/>
+              <a:t>: total de </a:t>
+            </a:r>
+            <a:r>
+              <a:rPr dirty="0" err="1"/>
+              <a:t>consultas</a:t>
+            </a:r>
+            <a:r>
+              <a:rPr dirty="0"/>
+              <a:t>, </a:t>
+            </a:r>
+            <a:r>
+              <a:rPr dirty="0" err="1"/>
+              <a:t>distribución</a:t>
+            </a:r>
+            <a:r>
+              <a:rPr dirty="0"/>
+              <a:t>, </a:t>
+            </a:r>
+            <a:r>
+              <a:rPr dirty="0" err="1"/>
+              <a:t>colaboraciones</a:t>
+            </a:r>
+            <a:endParaRPr dirty="0"/>
           </a:p>
           <a:p>
             <a:pPr algn="l">
@@ -3268,7 +3403,32 @@
               </a:defRPr>
             </a:pPr>
             <a:r>
-              <a:t>Memoria: buffer, resumen, ventana, entidades, vector</a:t>
+              <a:rPr dirty="0"/>
+              <a:t>Memoria: buffer, </a:t>
+            </a:r>
+            <a:r>
+              <a:rPr dirty="0" err="1"/>
+              <a:t>resumen</a:t>
+            </a:r>
+            <a:r>
+              <a:rPr dirty="0"/>
+              <a:t>, </a:t>
+            </a:r>
+            <a:r>
+              <a:rPr dirty="0" err="1"/>
+              <a:t>ventana</a:t>
+            </a:r>
+            <a:r>
+              <a:rPr dirty="0"/>
+              <a:t>, </a:t>
+            </a:r>
+            <a:r>
+              <a:rPr dirty="0" err="1"/>
+              <a:t>entidades</a:t>
+            </a:r>
+            <a:r>
+              <a:rPr dirty="0"/>
+              <a:t>, vector</a:t>
             </a:r>
           </a:p>
           <a:p>
@@ -3280,8 +3440,30 @@
               </a:defRPr>
             </a:pPr>
             <a:r>
-              <a:t>FAISS: búsquedas semánticas, chunks relevantes</a:t>
-            </a:r>
+              <a:rPr dirty="0"/>
+              <a:t>FAISS: </a:t>
+            </a:r>
+            <a:r>
+              <a:rPr dirty="0" err="1"/>
+              <a:t>búsquedas</a:t>
+            </a:r>
+            <a:r>
+              <a:rPr dirty="0"/>
+              <a:t> </a:t>
+            </a:r>
+            <a:r>
+              <a:rPr dirty="0" err="1"/>
+              <a:t>semánticas</a:t>
+            </a:r>
+            <a:r>
+              <a:rPr dirty="0"/>
+              <a:t>, chunks </a:t>
+            </a:r>
+            <a:r>
+              <a:rPr dirty="0" err="1"/>
+              <a:t>relevantes</a:t>
+            </a:r>
+            <a:endParaRPr dirty="0"/>
           </a:p>
         </p:txBody>
       </p:sp>
@@ -3341,7 +3523,12 @@
             <p:ph idx="1"/>
           </p:nvPr>
         </p:nvSpPr>
-        <p:spPr/>
+        <p:spPr>
+          <a:xfrm>
+            <a:off x="1380744" y="2496313"/>
+            <a:ext cx="6757416" cy="2752344"/>
+          </a:xfrm>
+        </p:spPr>
         <p:txBody>
           <a:bodyPr/>
           <a:lstStyle/>
@@ -3354,7 +3541,24 @@
               </a:defRPr>
             </a:pPr>
             <a:r>
-              <a:t>Consulta Simple: 'Mi computadora está lenta' → Hardware</a:t>
+              <a:rPr dirty="0"/>
+              <a:t>Consulta Simple: 'Mi </a:t>
+            </a:r>
+            <a:r>
+              <a:rPr dirty="0" err="1"/>
+              <a:t>computadora</a:t>
+            </a:r>
+            <a:r>
+              <a:rPr dirty="0"/>
+              <a:t> </a:t>
+            </a:r>
+            <a:r>
+              <a:rPr dirty="0" err="1"/>
+              <a:t>está</a:t>
+            </a:r>
+            <a:r>
+              <a:rPr dirty="0"/>
+              <a:t> lenta' → Hardware</a:t>
             </a:r>
           </a:p>
           <a:p>
@@ -3366,7 +3570,32 @@
               </a:defRPr>
             </a:pPr>
             <a:r>
-              <a:t>Consulta Compleja: 'Virus y WiFi' → Seguridad + Redes</a:t>
+              <a:rPr dirty="0"/>
+              <a:t>Consulta </a:t>
+            </a:r>
+            <a:r>
+              <a:rPr dirty="0" err="1"/>
+              <a:t>Compleja</a:t>
+            </a:r>
+            <a:r>
+              <a:rPr dirty="0"/>
+              <a:t>: 'Virus y </a:t>
+            </a:r>
+            <a:r>
+              <a:rPr dirty="0" err="1"/>
+              <a:t>WiFi</a:t>
+            </a:r>
+            <a:r>
+              <a:rPr dirty="0"/>
+              <a:t>' → </a:t>
+            </a:r>
+            <a:r>
+              <a:rPr dirty="0" err="1"/>
+              <a:t>Seguridad</a:t>
+            </a:r>
+            <a:r>
+              <a:rPr dirty="0"/>
+              <a:t> + Redes</a:t>
             </a:r>
           </a:p>
         </p:txBody>
@@ -3412,7 +3641,7 @@
           <a:lstStyle/>
           <a:p>
             <a:r>
-              <a:t>📁 Estructura del Proyecto</a:t>
+              <a:t>🧪 Validación del Sistema</a:t>
             </a:r>
           </a:p>
         </p:txBody>
@@ -3427,7 +3656,12 @@
             <p:ph idx="1"/>
           </p:nvPr>
         </p:nvSpPr>
-        <p:spPr/>
+        <p:spPr>
+          <a:xfrm>
+            <a:off x="1353312" y="3017521"/>
+            <a:ext cx="7406640" cy="1655064"/>
+          </a:xfrm>
+        </p:spPr>
         <p:txBody>
           <a:bodyPr/>
           <a:lstStyle/>
@@ -3440,8 +3674,22 @@
               </a:defRPr>
             </a:pPr>
             <a:r>
-              <a:t>Archivos clave: sistema_completo_agentes.py, soporte_informatica.txt, README.md</a:t>
-            </a:r>
+              <a:rPr dirty="0"/>
+              <a:t>Casos de </a:t>
+            </a:r>
+            <a:r>
+              <a:rPr dirty="0" err="1"/>
+              <a:t>prueba</a:t>
+            </a:r>
+            <a:r>
+              <a:rPr dirty="0"/>
+              <a:t>: simples y </a:t>
+            </a:r>
+            <a:r>
+              <a:rPr dirty="0" err="1"/>
+              <a:t>complejos</a:t>
+            </a:r>
+            <a:endParaRPr dirty="0"/>
           </a:p>
           <a:p>
             <a:pPr algn="l">
@@ -3452,7 +3700,36 @@
               </a:defRPr>
             </a:pPr>
             <a:r>
-              <a:t>Documentación: README_DETALLADO.md, DIAGRAMAS_ARQUITECTURA.md, etc.</a:t>
+              <a:rPr dirty="0" err="1"/>
+              <a:t>Métricas</a:t>
+            </a:r>
+            <a:r>
+              <a:rPr dirty="0"/>
+              <a:t>: </a:t>
+            </a:r>
+            <a:r>
+              <a:rPr dirty="0" err="1"/>
+              <a:t>tiempo</a:t>
+            </a:r>
+            <a:r>
+              <a:rPr dirty="0"/>
+              <a:t> &lt; 3s, </a:t>
+            </a:r>
+            <a:r>
+              <a:rPr dirty="0" err="1"/>
+              <a:t>precisión</a:t>
+            </a:r>
+            <a:r>
+              <a:rPr dirty="0"/>
+              <a:t> &gt; 90%, </a:t>
+            </a:r>
+            <a:r>
+              <a:rPr dirty="0" err="1"/>
+              <a:t>colaboración</a:t>
+            </a:r>
+            <a:r>
+              <a:rPr dirty="0"/>
+              <a:t> &gt; 85%</a:t>
             </a:r>
           </a:p>
         </p:txBody>
@@ -3498,7 +3775,7 @@
           <a:lstStyle/>
           <a:p>
             <a:r>
-              <a:t>🧪 Validación del Sistema</a:t>
+              <a:t>🎓 Integración RA1 y RA2</a:t>
             </a:r>
           </a:p>
         </p:txBody>
@@ -3513,7 +3790,12 @@
             <p:ph idx="1"/>
           </p:nvPr>
         </p:nvSpPr>
-        <p:spPr/>
+        <p:spPr>
+          <a:xfrm>
+            <a:off x="1289304" y="2743201"/>
+            <a:ext cx="6839712" cy="1499616"/>
+          </a:xfrm>
+        </p:spPr>
         <p:txBody>
           <a:bodyPr/>
           <a:lstStyle/>
@@ -3526,8 +3808,30 @@
               </a:defRPr>
             </a:pPr>
             <a:r>
-              <a:t>Casos de prueba: simples y complejos</a:t>
-            </a:r>
+              <a:rPr dirty="0"/>
+              <a:t>RA1: Memoria </a:t>
+            </a:r>
+            <a:r>
+              <a:rPr dirty="0" err="1"/>
+              <a:t>avanzada</a:t>
+            </a:r>
+            <a:r>
+              <a:rPr dirty="0"/>
+              <a:t>, FAISS, </a:t>
+            </a:r>
+            <a:r>
+              <a:rPr dirty="0" err="1"/>
+              <a:t>búsqueda</a:t>
+            </a:r>
+            <a:r>
+              <a:rPr dirty="0"/>
+              <a:t> </a:t>
+            </a:r>
+            <a:r>
+              <a:rPr dirty="0" err="1"/>
+              <a:t>semántica</a:t>
+            </a:r>
+            <a:endParaRPr dirty="0"/>
           </a:p>
           <a:p>
             <a:pPr algn="l">
@@ -3538,94 +3842,38 @@
               </a:defRPr>
             </a:pPr>
             <a:r>
-              <a:t>Métricas: tiempo &lt; 3s, precisión &gt; 90%, colaboración &gt; 85%</a:t>
-            </a:r>
-          </a:p>
-        </p:txBody>
-      </p:sp>
-    </p:spTree>
-  </p:cSld>
-  <p:clrMapOvr>
-    <a:masterClrMapping/>
-  </p:clrMapOvr>
-</p:sld>
-</file>
-
-<file path=ppt/slides/slide14.xml><?xml version="1.0" encoding="utf-8"?>
-<p:sld xmlns:a="http://schemas.openxmlformats.org/drawingml/2006/main" xmlns:r="http://schemas.openxmlformats.org/officeDocument/2006/relationships" xmlns:p="http://schemas.openxmlformats.org/presentationml/2006/main">
-  <p:cSld>
-    <p:spTree>
-      <p:nvGrpSpPr>
-        <p:cNvPr id="1" name=""/>
-        <p:cNvGrpSpPr/>
-        <p:nvPr/>
-      </p:nvGrpSpPr>
-      <p:grpSpPr>
-        <a:xfrm>
-          <a:off x="0" y="0"/>
-          <a:ext cx="0" cy="0"/>
-          <a:chOff x="0" y="0"/>
-          <a:chExt cx="0" cy="0"/>
-        </a:xfrm>
-      </p:grpSpPr>
-      <p:sp>
-        <p:nvSpPr>
-          <p:cNvPr id="2" name="Title 1"/>
-          <p:cNvSpPr>
-            <a:spLocks noGrp="1"/>
-          </p:cNvSpPr>
-          <p:nvPr>
-            <p:ph type="title"/>
-          </p:nvPr>
-        </p:nvSpPr>
-        <p:spPr/>
-        <p:txBody>
-          <a:bodyPr/>
-          <a:lstStyle/>
-          <a:p>
-            <a:r>
-              <a:t>🎓 Integración RA1 y RA2</a:t>
-            </a:r>
-          </a:p>
-        </p:txBody>
-      </p:sp>
-      <p:sp>
-        <p:nvSpPr>
-          <p:cNvPr id="3" name="Content Placeholder 2"/>
-          <p:cNvSpPr>
-            <a:spLocks noGrp="1"/>
-          </p:cNvSpPr>
-          <p:nvPr>
-            <p:ph idx="1"/>
-          </p:nvPr>
-        </p:nvSpPr>
-        <p:spPr/>
-        <p:txBody>
-          <a:bodyPr/>
-          <a:lstStyle/>
-          <a:p>
-            <a:pPr algn="l">
-              <a:defRPr sz="1800">
-                <a:solidFill>
-                  <a:srgbClr val="323232"/>
-                </a:solidFill>
-              </a:defRPr>
-            </a:pPr>
-            <a:r>
-              <a:t>RA1: Memoria avanzada, FAISS, búsqueda semántica</a:t>
-            </a:r>
-          </a:p>
-          <a:p>
-            <a:pPr algn="l">
-              <a:defRPr sz="1800">
-                <a:solidFill>
-                  <a:srgbClr val="323232"/>
-                </a:solidFill>
-              </a:defRPr>
-            </a:pPr>
-            <a:r>
-              <a:t>RA2: Agentes especializados, orquestación, colaboración</a:t>
-            </a:r>
+              <a:rPr dirty="0"/>
+              <a:t>RA2: </a:t>
+            </a:r>
+            <a:r>
+              <a:rPr dirty="0" err="1"/>
+              <a:t>Agentes</a:t>
+            </a:r>
+            <a:r>
+              <a:rPr dirty="0"/>
+              <a:t> </a:t>
+            </a:r>
+            <a:r>
+              <a:rPr dirty="0" err="1"/>
+              <a:t>especializados</a:t>
+            </a:r>
+            <a:r>
+              <a:rPr dirty="0"/>
+              <a:t>, </a:t>
+            </a:r>
+            <a:r>
+              <a:rPr dirty="0" err="1"/>
+              <a:t>orquestación</a:t>
+            </a:r>
+            <a:r>
+              <a:rPr dirty="0"/>
+              <a:t>, </a:t>
+            </a:r>
+            <a:r>
+              <a:rPr dirty="0" err="1"/>
+              <a:t>colaboración</a:t>
+            </a:r>
+            <a:endParaRPr dirty="0"/>
           </a:p>
         </p:txBody>
       </p:sp>
@@ -3685,7 +3933,12 @@
             <p:ph idx="1"/>
           </p:nvPr>
         </p:nvSpPr>
-        <p:spPr/>
+        <p:spPr>
+          <a:xfrm>
+            <a:off x="813816" y="2221993"/>
+            <a:ext cx="7516368" cy="1764792"/>
+          </a:xfrm>
+        </p:spPr>
         <p:txBody>
           <a:bodyPr/>
           <a:lstStyle/>
@@ -3698,7 +3951,56 @@
               </a:defRPr>
             </a:pPr>
             <a:r>
-              <a:t>Sistema avanzado de soporte informático con múltiples agentes especializados.</a:t>
+              <a:rPr dirty="0"/>
+              <a:t>Sistema </a:t>
+            </a:r>
+            <a:r>
+              <a:rPr dirty="0" err="1"/>
+              <a:t>avanzado</a:t>
+            </a:r>
+            <a:r>
+              <a:rPr dirty="0"/>
+              <a:t> de </a:t>
+            </a:r>
+            <a:r>
+              <a:rPr dirty="0" err="1"/>
+              <a:t>soporte</a:t>
+            </a:r>
+            <a:r>
+              <a:rPr dirty="0"/>
+              <a:t> </a:t>
+            </a:r>
+            <a:r>
+              <a:rPr dirty="0" err="1"/>
+              <a:t>informático</a:t>
+            </a:r>
+            <a:r>
+              <a:rPr dirty="0"/>
+              <a:t> con </a:t>
+            </a:r>
+            <a:r>
+              <a:rPr dirty="0" err="1"/>
+              <a:t>múltiples</a:t>
+            </a:r>
+            <a:r>
+              <a:rPr dirty="0"/>
+              <a:t> </a:t>
+            </a:r>
+            <a:r>
+              <a:rPr dirty="0" err="1"/>
+              <a:t>agentes</a:t>
+            </a:r>
+            <a:r>
+              <a:rPr dirty="0"/>
+              <a:t> </a:t>
+            </a:r>
+            <a:r>
+              <a:rPr dirty="0" err="1"/>
+              <a:t>especializados</a:t>
+            </a:r>
+            <a:r>
+              <a:rPr dirty="0"/>
+              <a:t>.</a:t>
             </a:r>
           </a:p>
           <a:p>
@@ -3710,7 +4012,36 @@
               </a:defRPr>
             </a:pPr>
             <a:r>
-              <a:t>Integración de RA1 (Recuperación y Memoria) y RA2 (Agentes y Orquestación).</a:t>
+              <a:rPr dirty="0" err="1"/>
+              <a:t>Integración</a:t>
+            </a:r>
+            <a:r>
+              <a:rPr dirty="0"/>
+              <a:t> de RA1 (</a:t>
+            </a:r>
+            <a:r>
+              <a:rPr dirty="0" err="1"/>
+              <a:t>Recuperación</a:t>
+            </a:r>
+            <a:r>
+              <a:rPr dirty="0"/>
+              <a:t> y Memoria) y RA2 (</a:t>
+            </a:r>
+            <a:r>
+              <a:rPr dirty="0" err="1"/>
+              <a:t>Agentes</a:t>
+            </a:r>
+            <a:r>
+              <a:rPr dirty="0"/>
+              <a:t> y </a:t>
+            </a:r>
+            <a:r>
+              <a:rPr dirty="0" err="1"/>
+              <a:t>Orquestación</a:t>
+            </a:r>
+            <a:r>
+              <a:rPr dirty="0"/>
+              <a:t>).</a:t>
             </a:r>
           </a:p>
         </p:txBody>
@@ -3972,6 +4303,290 @@
           <a:chExt cx="0" cy="0"/>
         </a:xfrm>
       </p:grpSpPr>
+      <p:sp useBgFill="1">
+        <p:nvSpPr>
+          <p:cNvPr id="18" name="Rectangle 14">
+            <a:extLst>
+              <a:ext uri="{FF2B5EF4-FFF2-40B4-BE49-F238E27FC236}">
+                <a16:creationId xmlns:a16="http://schemas.microsoft.com/office/drawing/2014/main" id="{F0A604E4-7307-451C-93BE-F1F7E1BF3BF8}"/>
+              </a:ext>
+              <a:ext uri="{C183D7F6-B498-43B3-948B-1728B52AA6E4}">
+                <adec:decorative xmlns:adec="http://schemas.microsoft.com/office/drawing/2017/decorative" val="1"/>
+              </a:ext>
+            </a:extLst>
+          </p:cNvPr>
+          <p:cNvSpPr>
+            <a:spLocks noGrp="1" noRot="1" noChangeAspect="1" noMove="1" noResize="1" noEditPoints="1" noAdjustHandles="1" noChangeArrowheads="1" noChangeShapeType="1" noTextEdit="1"/>
+          </p:cNvSpPr>
+          <p:nvPr>
+            <p:extLst>
+              <p:ext uri="{386F3935-93C4-4BCD-93E2-E3B085C9AB24}">
+                <p16:designElem xmlns:p16="http://schemas.microsoft.com/office/powerpoint/2015/main" val="1"/>
+              </p:ext>
+            </p:extLst>
+          </p:nvPr>
+        </p:nvSpPr>
+        <p:spPr>
+          <a:xfrm>
+            <a:off x="-1" y="0"/>
+            <a:ext cx="9144002" cy="6858000"/>
+          </a:xfrm>
+          <a:prstGeom prst="rect">
+            <a:avLst/>
+          </a:prstGeom>
+          <a:ln>
+            <a:noFill/>
+          </a:ln>
+        </p:spPr>
+        <p:style>
+          <a:lnRef idx="2">
+            <a:schemeClr val="accent1">
+              <a:shade val="50000"/>
+            </a:schemeClr>
+          </a:lnRef>
+          <a:fillRef idx="1">
+            <a:schemeClr val="accent1"/>
+          </a:fillRef>
+          <a:effectRef idx="0">
+            <a:schemeClr val="accent1"/>
+          </a:effectRef>
+          <a:fontRef idx="minor">
+            <a:schemeClr val="lt1"/>
+          </a:fontRef>
+        </p:style>
+        <p:txBody>
+          <a:bodyPr rtlCol="0" anchor="ctr"/>
+          <a:lstStyle/>
+          <a:p>
+            <a:pPr algn="ctr"/>
+            <a:endParaRPr lang="en-US"/>
+          </a:p>
+        </p:txBody>
+      </p:sp>
+      <p:sp>
+        <p:nvSpPr>
+          <p:cNvPr id="17" name="Rectangle 16">
+            <a:extLst>
+              <a:ext uri="{FF2B5EF4-FFF2-40B4-BE49-F238E27FC236}">
+                <a16:creationId xmlns:a16="http://schemas.microsoft.com/office/drawing/2014/main" id="{F7F3A0AA-35E5-4085-942B-737839030604}"/>
+              </a:ext>
+              <a:ext uri="{C183D7F6-B498-43B3-948B-1728B52AA6E4}">
+                <adec:decorative xmlns:adec="http://schemas.microsoft.com/office/drawing/2017/decorative" val="1"/>
+              </a:ext>
+            </a:extLst>
+          </p:cNvPr>
+          <p:cNvSpPr>
+            <a:spLocks noGrp="1" noRot="1" noChangeAspect="1" noMove="1" noResize="1" noEditPoints="1" noAdjustHandles="1" noChangeArrowheads="1" noChangeShapeType="1" noTextEdit="1"/>
+          </p:cNvSpPr>
+          <p:nvPr>
+            <p:extLst>
+              <p:ext uri="{386F3935-93C4-4BCD-93E2-E3B085C9AB24}">
+                <p16:designElem xmlns:p16="http://schemas.microsoft.com/office/powerpoint/2015/main" val="1"/>
+              </p:ext>
+            </p:extLst>
+          </p:nvPr>
+        </p:nvSpPr>
+        <p:spPr>
+          <a:xfrm flipH="1">
+            <a:off x="0" y="5282344"/>
+            <a:ext cx="9143997" cy="1590742"/>
+          </a:xfrm>
+          <a:prstGeom prst="rect">
+            <a:avLst/>
+          </a:prstGeom>
+          <a:gradFill>
+            <a:gsLst>
+              <a:gs pos="34000">
+                <a:srgbClr val="000000">
+                  <a:alpha val="96000"/>
+                </a:srgbClr>
+              </a:gs>
+              <a:gs pos="100000">
+                <a:schemeClr val="accent1"/>
+              </a:gs>
+            </a:gsLst>
+            <a:lin ang="8400000" scaled="0"/>
+          </a:gradFill>
+          <a:ln>
+            <a:noFill/>
+          </a:ln>
+        </p:spPr>
+        <p:style>
+          <a:lnRef idx="2">
+            <a:schemeClr val="accent1">
+              <a:shade val="50000"/>
+            </a:schemeClr>
+          </a:lnRef>
+          <a:fillRef idx="1">
+            <a:schemeClr val="accent1"/>
+          </a:fillRef>
+          <a:effectRef idx="0">
+            <a:schemeClr val="accent1"/>
+          </a:effectRef>
+          <a:fontRef idx="minor">
+            <a:schemeClr val="lt1"/>
+          </a:fontRef>
+        </p:style>
+        <p:txBody>
+          <a:bodyPr rtlCol="0" anchor="ctr"/>
+          <a:lstStyle/>
+          <a:p>
+            <a:pPr algn="ctr"/>
+            <a:endParaRPr lang="en-US"/>
+          </a:p>
+        </p:txBody>
+      </p:sp>
+      <p:sp>
+        <p:nvSpPr>
+          <p:cNvPr id="19" name="Rectangle 18">
+            <a:extLst>
+              <a:ext uri="{FF2B5EF4-FFF2-40B4-BE49-F238E27FC236}">
+                <a16:creationId xmlns:a16="http://schemas.microsoft.com/office/drawing/2014/main" id="{402F5C38-C747-4173-ABBF-656E39E82130}"/>
+              </a:ext>
+              <a:ext uri="{C183D7F6-B498-43B3-948B-1728B52AA6E4}">
+                <adec:decorative xmlns:adec="http://schemas.microsoft.com/office/drawing/2017/decorative" val="1"/>
+              </a:ext>
+            </a:extLst>
+          </p:cNvPr>
+          <p:cNvSpPr>
+            <a:spLocks noGrp="1" noRot="1" noChangeAspect="1" noMove="1" noResize="1" noEditPoints="1" noAdjustHandles="1" noChangeArrowheads="1" noChangeShapeType="1" noTextEdit="1"/>
+          </p:cNvSpPr>
+          <p:nvPr>
+            <p:extLst>
+              <p:ext uri="{386F3935-93C4-4BCD-93E2-E3B085C9AB24}">
+                <p16:designElem xmlns:p16="http://schemas.microsoft.com/office/powerpoint/2015/main" val="1"/>
+              </p:ext>
+            </p:extLst>
+          </p:nvPr>
+        </p:nvSpPr>
+        <p:spPr>
+          <a:xfrm flipH="1">
+            <a:off x="-3" y="5282344"/>
+            <a:ext cx="6086475" cy="1590742"/>
+          </a:xfrm>
+          <a:prstGeom prst="rect">
+            <a:avLst/>
+          </a:prstGeom>
+          <a:gradFill>
+            <a:gsLst>
+              <a:gs pos="28000">
+                <a:schemeClr val="accent1">
+                  <a:lumMod val="75000"/>
+                  <a:alpha val="59000"/>
+                </a:schemeClr>
+              </a:gs>
+              <a:gs pos="100000">
+                <a:srgbClr val="000000">
+                  <a:alpha val="70000"/>
+                </a:srgbClr>
+              </a:gs>
+            </a:gsLst>
+            <a:lin ang="11400000" scaled="0"/>
+          </a:gradFill>
+          <a:ln>
+            <a:noFill/>
+          </a:ln>
+        </p:spPr>
+        <p:style>
+          <a:lnRef idx="2">
+            <a:schemeClr val="accent1">
+              <a:shade val="50000"/>
+            </a:schemeClr>
+          </a:lnRef>
+          <a:fillRef idx="1">
+            <a:schemeClr val="accent1"/>
+          </a:fillRef>
+          <a:effectRef idx="0">
+            <a:schemeClr val="accent1"/>
+          </a:effectRef>
+          <a:fontRef idx="minor">
+            <a:schemeClr val="lt1"/>
+          </a:fontRef>
+        </p:style>
+        <p:txBody>
+          <a:bodyPr rtlCol="0" anchor="ctr"/>
+          <a:lstStyle/>
+          <a:p>
+            <a:pPr algn="ctr"/>
+            <a:endParaRPr lang="en-US"/>
+          </a:p>
+        </p:txBody>
+      </p:sp>
+      <p:sp>
+        <p:nvSpPr>
+          <p:cNvPr id="21" name="Rectangle 20">
+            <a:extLst>
+              <a:ext uri="{FF2B5EF4-FFF2-40B4-BE49-F238E27FC236}">
+                <a16:creationId xmlns:a16="http://schemas.microsoft.com/office/drawing/2014/main" id="{E37EECFC-A684-4391-AE85-4CDAF5565F61}"/>
+              </a:ext>
+              <a:ext uri="{C183D7F6-B498-43B3-948B-1728B52AA6E4}">
+                <adec:decorative xmlns:adec="http://schemas.microsoft.com/office/drawing/2017/decorative" val="1"/>
+              </a:ext>
+            </a:extLst>
+          </p:cNvPr>
+          <p:cNvSpPr>
+            <a:spLocks noGrp="1" noRot="1" noChangeAspect="1" noMove="1" noResize="1" noEditPoints="1" noAdjustHandles="1" noChangeArrowheads="1" noChangeShapeType="1" noTextEdit="1"/>
+          </p:cNvSpPr>
+          <p:nvPr>
+            <p:extLst>
+              <p:ext uri="{386F3935-93C4-4BCD-93E2-E3B085C9AB24}">
+                <p16:designElem xmlns:p16="http://schemas.microsoft.com/office/powerpoint/2015/main" val="1"/>
+              </p:ext>
+            </p:extLst>
+          </p:nvPr>
+        </p:nvSpPr>
+        <p:spPr>
+          <a:xfrm flipH="1">
+            <a:off x="-3" y="5282344"/>
+            <a:ext cx="9143998" cy="1590742"/>
+          </a:xfrm>
+          <a:prstGeom prst="rect">
+            <a:avLst/>
+          </a:prstGeom>
+          <a:gradFill>
+            <a:gsLst>
+              <a:gs pos="0">
+                <a:srgbClr val="000000">
+                  <a:alpha val="71765"/>
+                </a:srgbClr>
+              </a:gs>
+              <a:gs pos="100000">
+                <a:schemeClr val="accent1">
+                  <a:alpha val="0"/>
+                </a:schemeClr>
+              </a:gs>
+            </a:gsLst>
+            <a:lin ang="15600000" scaled="0"/>
+          </a:gradFill>
+          <a:ln>
+            <a:noFill/>
+          </a:ln>
+        </p:spPr>
+        <p:style>
+          <a:lnRef idx="2">
+            <a:schemeClr val="accent1">
+              <a:shade val="50000"/>
+            </a:schemeClr>
+          </a:lnRef>
+          <a:fillRef idx="1">
+            <a:schemeClr val="accent1"/>
+          </a:fillRef>
+          <a:effectRef idx="0">
+            <a:schemeClr val="accent1"/>
+          </a:effectRef>
+          <a:fontRef idx="minor">
+            <a:schemeClr val="lt1"/>
+          </a:fontRef>
+        </p:style>
+        <p:txBody>
+          <a:bodyPr rtlCol="0" anchor="ctr"/>
+          <a:lstStyle/>
+          <a:p>
+            <a:pPr algn="ctr"/>
+            <a:endParaRPr lang="en-US"/>
+          </a:p>
+        </p:txBody>
+      </p:sp>
       <p:sp>
         <p:nvSpPr>
           <p:cNvPr id="2" name="Title 1"/>
@@ -3982,81 +4597,67 @@
             <p:ph type="title"/>
           </p:nvPr>
         </p:nvSpPr>
-        <p:spPr/>
-        <p:txBody>
-          <a:bodyPr/>
-          <a:lstStyle/>
-          <a:p>
-            <a:r>
+        <p:spPr>
+          <a:xfrm>
+            <a:off x="524785" y="5490971"/>
+            <a:ext cx="5221554" cy="1159200"/>
+          </a:xfrm>
+        </p:spPr>
+        <p:txBody>
+          <a:bodyPr vert="horz" lIns="91440" tIns="45720" rIns="91440" bIns="45720" rtlCol="0" anchor="ctr">
+            <a:normAutofit/>
+          </a:bodyPr>
+          <a:lstStyle/>
+          <a:p>
+            <a:pPr algn="l" defTabSz="914400">
+              <a:lnSpc>
+                <a:spcPct val="90000"/>
+              </a:lnSpc>
+            </a:pPr>
+            <a:r>
+              <a:rPr lang="en-US" sz="3500" kern="1200">
+                <a:solidFill>
+                  <a:srgbClr val="FFFFFF"/>
+                </a:solidFill>
+                <a:latin typeface="+mj-lt"/>
+                <a:ea typeface="+mj-ea"/>
+                <a:cs typeface="+mj-cs"/>
+              </a:rPr>
               <a:t>🏗️ Arquitectura del Sistema</a:t>
             </a:r>
           </a:p>
         </p:txBody>
       </p:sp>
-      <p:sp>
-        <p:nvSpPr>
-          <p:cNvPr id="3" name="Content Placeholder 2"/>
-          <p:cNvSpPr>
-            <a:spLocks noGrp="1"/>
-          </p:cNvSpPr>
-          <p:nvPr>
-            <p:ph idx="1"/>
-          </p:nvPr>
-        </p:nvSpPr>
-        <p:spPr/>
-        <p:txBody>
-          <a:bodyPr/>
-          <a:lstStyle/>
-          <a:p>
-            <a:pPr algn="l">
-              <a:defRPr sz="1800">
-                <a:solidFill>
-                  <a:srgbClr val="323232"/>
-                </a:solidFill>
-              </a:defRPr>
-            </a:pPr>
-            <a:r>
-              <a:t>OrquestadorMultiagente: Coordinación central</a:t>
-            </a:r>
-          </a:p>
-          <a:p>
-            <a:pPr algn="l">
-              <a:defRPr sz="1800">
-                <a:solidFill>
-                  <a:srgbClr val="323232"/>
-                </a:solidFill>
-              </a:defRPr>
-            </a:pPr>
-            <a:r>
-              <a:t>Agentes Especializados: 5 roles definidos</a:t>
-            </a:r>
-          </a:p>
-          <a:p>
-            <a:pPr algn="l">
-              <a:defRPr sz="1800">
-                <a:solidFill>
-                  <a:srgbClr val="323232"/>
-                </a:solidFill>
-              </a:defRPr>
-            </a:pPr>
-            <a:r>
-              <a:t>SistemaMemoriaAvanzada: 5 tipos de memoria</a:t>
-            </a:r>
-          </a:p>
-          <a:p>
-            <a:pPr algn="l">
-              <a:defRPr sz="1800">
-                <a:solidFill>
-                  <a:srgbClr val="323232"/>
-                </a:solidFill>
-              </a:defRPr>
-            </a:pPr>
-            <a:r>
-              <a:t>HerramientaSoporte: Funciones compartidas</a:t>
-            </a:r>
-          </a:p>
-        </p:txBody>
-      </p:sp>
+      <p:pic>
+        <p:nvPicPr>
+          <p:cNvPr id="9" name="Imagen 8" descr="Interfaz de usuario gráfica, Aplicación&#10;&#10;El contenido generado por IA puede ser incorrecto.">
+            <a:extLst>
+              <a:ext uri="{FF2B5EF4-FFF2-40B4-BE49-F238E27FC236}">
+                <a16:creationId xmlns:a16="http://schemas.microsoft.com/office/drawing/2014/main" id="{ED159D43-C326-DE9D-D7FE-B0402512B615}"/>
+              </a:ext>
+            </a:extLst>
+          </p:cNvPr>
+          <p:cNvPicPr>
+            <a:picLocks noChangeAspect="1"/>
+          </p:cNvPicPr>
+          <p:nvPr/>
+        </p:nvPicPr>
+        <p:blipFill>
+          <a:blip r:embed="rId2"/>
+          <a:stretch>
+            <a:fillRect/>
+          </a:stretch>
+        </p:blipFill>
+        <p:spPr>
+          <a:xfrm>
+            <a:off x="96686" y="603504"/>
+            <a:ext cx="8950619" cy="4678840"/>
+          </a:xfrm>
+          <a:prstGeom prst="rect">
+            <a:avLst/>
+          </a:prstGeom>
+        </p:spPr>
+      </p:pic>
     </p:spTree>
   </p:cSld>
   <p:clrMapOvr>
@@ -4113,7 +4714,12 @@
             <p:ph idx="1"/>
           </p:nvPr>
         </p:nvSpPr>
-        <p:spPr/>
+        <p:spPr>
+          <a:xfrm>
+            <a:off x="1289304" y="2743201"/>
+            <a:ext cx="6949440" cy="2459736"/>
+          </a:xfrm>
+        </p:spPr>
         <p:txBody>
           <a:bodyPr/>
           <a:lstStyle/>
@@ -4126,8 +4732,26 @@
               </a:defRPr>
             </a:pPr>
             <a:r>
-              <a:t>ConversationBufferMemory: Historial completo</a:t>
-            </a:r>
+              <a:rPr dirty="0" err="1"/>
+              <a:t>ConversationBufferMemory</a:t>
+            </a:r>
+            <a:r>
+              <a:rPr dirty="0"/>
+              <a:t>: </a:t>
+            </a:r>
+            <a:r>
+              <a:rPr dirty="0" err="1"/>
+              <a:t>Historial</a:t>
+            </a:r>
+            <a:r>
+              <a:rPr dirty="0"/>
+              <a:t> </a:t>
+            </a:r>
+            <a:r>
+              <a:rPr dirty="0" err="1"/>
+              <a:t>completo</a:t>
+            </a:r>
+            <a:endParaRPr dirty="0"/>
           </a:p>
           <a:p>
             <a:pPr algn="l">
@@ -4138,8 +4762,26 @@
               </a:defRPr>
             </a:pPr>
             <a:r>
-              <a:t>ConversationSummaryMemory: Resumen inteligente</a:t>
-            </a:r>
+              <a:rPr dirty="0" err="1"/>
+              <a:t>ConversationSummaryMemory</a:t>
+            </a:r>
+            <a:r>
+              <a:rPr dirty="0"/>
+              <a:t>: </a:t>
+            </a:r>
+            <a:r>
+              <a:rPr dirty="0" err="1"/>
+              <a:t>Resumen</a:t>
+            </a:r>
+            <a:r>
+              <a:rPr dirty="0"/>
+              <a:t> </a:t>
+            </a:r>
+            <a:r>
+              <a:rPr dirty="0" err="1"/>
+              <a:t>inteligente</a:t>
+            </a:r>
+            <a:endParaRPr dirty="0"/>
           </a:p>
           <a:p>
             <a:pPr algn="l">
@@ -4150,8 +4792,26 @@
               </a:defRPr>
             </a:pPr>
             <a:r>
-              <a:t>ConversationBufferWindowMemory: Últimas 5 interacciones</a:t>
-            </a:r>
+              <a:rPr dirty="0" err="1"/>
+              <a:t>ConversationBufferWindowMemory</a:t>
+            </a:r>
+            <a:r>
+              <a:rPr dirty="0"/>
+              <a:t>: </a:t>
+            </a:r>
+            <a:r>
+              <a:rPr dirty="0" err="1"/>
+              <a:t>Últimas</a:t>
+            </a:r>
+            <a:r>
+              <a:rPr dirty="0"/>
+              <a:t> 5 </a:t>
+            </a:r>
+            <a:r>
+              <a:rPr dirty="0" err="1"/>
+              <a:t>interacciones</a:t>
+            </a:r>
+            <a:endParaRPr dirty="0"/>
           </a:p>
           <a:p>
             <a:pPr algn="l">
@@ -4162,8 +4822,26 @@
               </a:defRPr>
             </a:pPr>
             <a:r>
-              <a:t>ConversationEntityMemory: Entidades recordadas</a:t>
-            </a:r>
+              <a:rPr dirty="0" err="1"/>
+              <a:t>ConversationEntityMemory</a:t>
+            </a:r>
+            <a:r>
+              <a:rPr dirty="0"/>
+              <a:t>: </a:t>
+            </a:r>
+            <a:r>
+              <a:rPr dirty="0" err="1"/>
+              <a:t>Entidades</a:t>
+            </a:r>
+            <a:r>
+              <a:rPr dirty="0"/>
+              <a:t> </a:t>
+            </a:r>
+            <a:r>
+              <a:rPr dirty="0" err="1"/>
+              <a:t>recordadas</a:t>
+            </a:r>
+            <a:endParaRPr dirty="0"/>
           </a:p>
           <a:p>
             <a:pPr algn="l">
@@ -4174,7 +4852,20 @@
               </a:defRPr>
             </a:pPr>
             <a:r>
-              <a:t>VectorStoreRetrieverMemory: Memoria semántica con FAISS</a:t>
+              <a:rPr dirty="0" err="1"/>
+              <a:t>VectorStoreRetrieverMemory</a:t>
+            </a:r>
+            <a:r>
+              <a:rPr dirty="0"/>
+              <a:t>: Memoria </a:t>
+            </a:r>
+            <a:r>
+              <a:rPr dirty="0" err="1"/>
+              <a:t>semántica</a:t>
+            </a:r>
+            <a:r>
+              <a:rPr dirty="0"/>
+              <a:t> con FAISS</a:t>
             </a:r>
           </a:p>
         </p:txBody>
@@ -4235,7 +4926,12 @@
             <p:ph idx="1"/>
           </p:nvPr>
         </p:nvSpPr>
-        <p:spPr/>
+        <p:spPr>
+          <a:xfrm>
+            <a:off x="1636776" y="2267713"/>
+            <a:ext cx="6876288" cy="3447288"/>
+          </a:xfrm>
+        </p:spPr>
         <p:txBody>
           <a:bodyPr/>
           <a:lstStyle/>
@@ -4248,7 +4944,16 @@
               </a:defRPr>
             </a:pPr>
             <a:r>
-              <a:t>Material vectorizado: soporte_informatica.txt</a:t>
+              <a:rPr dirty="0"/>
+              <a:t>Material </a:t>
+            </a:r>
+            <a:r>
+              <a:rPr dirty="0" err="1"/>
+              <a:t>vectorizado</a:t>
+            </a:r>
+            <a:r>
+              <a:rPr dirty="0"/>
+              <a:t>: soporte_informatica.txt</a:t>
             </a:r>
           </a:p>
           <a:p>
@@ -4260,7 +4965,28 @@
               </a:defRPr>
             </a:pPr>
             <a:r>
-              <a:t>Búsqueda semántica: similarity_search()</a:t>
+              <a:rPr dirty="0" err="1"/>
+              <a:t>Búsqueda</a:t>
+            </a:r>
+            <a:r>
+              <a:rPr dirty="0"/>
+              <a:t> </a:t>
+            </a:r>
+            <a:r>
+              <a:rPr dirty="0" err="1"/>
+              <a:t>semántica</a:t>
+            </a:r>
+            <a:r>
+              <a:rPr dirty="0"/>
+              <a:t>: </a:t>
+            </a:r>
+            <a:r>
+              <a:rPr dirty="0" err="1"/>
+              <a:t>similarity_search</a:t>
+            </a:r>
+            <a:r>
+              <a:rPr dirty="0"/>
+              <a:t>()</a:t>
             </a:r>
           </a:p>
           <a:p>
@@ -4272,8 +4998,34 @@
               </a:defRPr>
             </a:pPr>
             <a:r>
-              <a:t>Contexto relevante: Top 3 chunks por agente</a:t>
-            </a:r>
+              <a:rPr dirty="0" err="1"/>
+              <a:t>Contexto</a:t>
+            </a:r>
+            <a:r>
+              <a:rPr dirty="0"/>
+              <a:t> </a:t>
+            </a:r>
+            <a:r>
+              <a:rPr dirty="0" err="1"/>
+              <a:t>relevante</a:t>
+            </a:r>
+            <a:r>
+              <a:rPr dirty="0"/>
+              <a:t>: Top 3 chunks </a:t>
+            </a:r>
+            <a:r>
+              <a:rPr dirty="0" err="1"/>
+              <a:t>por</a:t>
+            </a:r>
+            <a:r>
+              <a:rPr dirty="0"/>
+              <a:t> </a:t>
+            </a:r>
+            <a:r>
+              <a:rPr dirty="0" err="1"/>
+              <a:t>agente</a:t>
+            </a:r>
+            <a:endParaRPr dirty="0"/>
           </a:p>
           <a:p>
             <a:pPr algn="l">
@@ -4284,8 +5036,26 @@
               </a:defRPr>
             </a:pPr>
             <a:r>
-              <a:t>Especialización por agente</a:t>
-            </a:r>
+              <a:rPr dirty="0" err="1"/>
+              <a:t>Especialización</a:t>
+            </a:r>
+            <a:r>
+              <a:rPr dirty="0"/>
+              <a:t> </a:t>
+            </a:r>
+            <a:r>
+              <a:rPr dirty="0" err="1"/>
+              <a:t>por</a:t>
+            </a:r>
+            <a:r>
+              <a:rPr dirty="0"/>
+              <a:t> </a:t>
+            </a:r>
+            <a:r>
+              <a:rPr dirty="0" err="1"/>
+              <a:t>agente</a:t>
+            </a:r>
+            <a:endParaRPr dirty="0"/>
           </a:p>
         </p:txBody>
       </p:sp>
@@ -4345,7 +5115,12 @@
             <p:ph idx="1"/>
           </p:nvPr>
         </p:nvSpPr>
-        <p:spPr/>
+        <p:spPr>
+          <a:xfrm>
+            <a:off x="1572768" y="2670049"/>
+            <a:ext cx="6144768" cy="2633472"/>
+          </a:xfrm>
+        </p:spPr>
         <p:txBody>
           <a:bodyPr/>
           <a:lstStyle/>
@@ -4358,7 +5133,32 @@
               </a:defRPr>
             </a:pPr>
             <a:r>
-              <a:t>🔧 Hardware: Ej. 'Mi computadora tiene solo 4GB de RAM'</a:t>
+              <a:rPr dirty="0"/>
+              <a:t>🔧 Hardware: </a:t>
+            </a:r>
+            <a:r>
+              <a:rPr dirty="0" err="1"/>
+              <a:t>Ej</a:t>
+            </a:r>
+            <a:r>
+              <a:rPr dirty="0"/>
+              <a:t>. 'Mi </a:t>
+            </a:r>
+            <a:r>
+              <a:rPr dirty="0" err="1"/>
+              <a:t>computadora</a:t>
+            </a:r>
+            <a:r>
+              <a:rPr dirty="0"/>
+              <a:t> </a:t>
+            </a:r>
+            <a:r>
+              <a:rPr dirty="0" err="1"/>
+              <a:t>tiene</a:t>
+            </a:r>
+            <a:r>
+              <a:rPr dirty="0"/>
+              <a:t> solo 4GB de RAM'</a:t>
             </a:r>
           </a:p>
           <a:p>
@@ -4370,7 +5170,32 @@
               </a:defRPr>
             </a:pPr>
             <a:r>
-              <a:t>💻 Software: Ej. 'No puedo instalar Microsoft Office'</a:t>
+              <a:rPr dirty="0"/>
+              <a:t>💻 Software: </a:t>
+            </a:r>
+            <a:r>
+              <a:rPr dirty="0" err="1"/>
+              <a:t>Ej</a:t>
+            </a:r>
+            <a:r>
+              <a:rPr dirty="0"/>
+              <a:t>. 'No </a:t>
+            </a:r>
+            <a:r>
+              <a:rPr dirty="0" err="1"/>
+              <a:t>puedo</a:t>
+            </a:r>
+            <a:r>
+              <a:rPr dirty="0"/>
+              <a:t> </a:t>
+            </a:r>
+            <a:r>
+              <a:rPr dirty="0" err="1"/>
+              <a:t>instalar</a:t>
+            </a:r>
+            <a:r>
+              <a:rPr dirty="0"/>
+              <a:t> Microsoft Office'</a:t>
             </a:r>
           </a:p>
           <a:p>
@@ -4382,7 +5207,40 @@
               </a:defRPr>
             </a:pPr>
             <a:r>
-              <a:t>🌐 Redes: Ej. 'No puedo conectarme al WiFi'</a:t>
+              <a:rPr dirty="0"/>
+              <a:t>🌐 Redes: </a:t>
+            </a:r>
+            <a:r>
+              <a:rPr dirty="0" err="1"/>
+              <a:t>Ej</a:t>
+            </a:r>
+            <a:r>
+              <a:rPr dirty="0"/>
+              <a:t>. 'No </a:t>
+            </a:r>
+            <a:r>
+              <a:rPr dirty="0" err="1"/>
+              <a:t>puedo</a:t>
+            </a:r>
+            <a:r>
+              <a:rPr dirty="0"/>
+              <a:t> </a:t>
+            </a:r>
+            <a:r>
+              <a:rPr dirty="0" err="1"/>
+              <a:t>conectarme</a:t>
+            </a:r>
+            <a:r>
+              <a:rPr dirty="0"/>
+              <a:t> al </a:t>
+            </a:r>
+            <a:r>
+              <a:rPr dirty="0" err="1"/>
+              <a:t>WiFi</a:t>
+            </a:r>
+            <a:r>
+              <a:rPr dirty="0"/>
+              <a:t>'</a:t>
             </a:r>
           </a:p>
           <a:p>
@@ -4394,7 +5252,32 @@
               </a:defRPr>
             </a:pPr>
             <a:r>
-              <a:t>🔒 Seguridad: Ej. 'Mi antivirus detectó un virus'</a:t>
+              <a:rPr dirty="0"/>
+              <a:t>🔒 </a:t>
+            </a:r>
+            <a:r>
+              <a:rPr dirty="0" err="1"/>
+              <a:t>Seguridad</a:t>
+            </a:r>
+            <a:r>
+              <a:rPr dirty="0"/>
+              <a:t>: </a:t>
+            </a:r>
+            <a:r>
+              <a:rPr dirty="0" err="1"/>
+              <a:t>Ej</a:t>
+            </a:r>
+            <a:r>
+              <a:rPr dirty="0"/>
+              <a:t>. 'Mi antivirus </a:t>
+            </a:r>
+            <a:r>
+              <a:rPr dirty="0" err="1"/>
+              <a:t>detectó</a:t>
+            </a:r>
+            <a:r>
+              <a:rPr dirty="0"/>
+              <a:t> un virus'</a:t>
             </a:r>
           </a:p>
           <a:p>
@@ -4406,8 +5289,22 @@
               </a:defRPr>
             </a:pPr>
             <a:r>
-              <a:t>⚙️ General: Consultas diversas</a:t>
-            </a:r>
+              <a:rPr dirty="0"/>
+              <a:t>⚙️ General: </a:t>
+            </a:r>
+            <a:r>
+              <a:rPr dirty="0" err="1"/>
+              <a:t>Consultas</a:t>
+            </a:r>
+            <a:r>
+              <a:rPr dirty="0"/>
+              <a:t> </a:t>
+            </a:r>
+            <a:r>
+              <a:rPr dirty="0" err="1"/>
+              <a:t>diversas</a:t>
+            </a:r>
+            <a:endParaRPr dirty="0"/>
           </a:p>
         </p:txBody>
       </p:sp>
@@ -4467,7 +5364,12 @@
             <p:ph idx="1"/>
           </p:nvPr>
         </p:nvSpPr>
-        <p:spPr/>
+        <p:spPr>
+          <a:xfrm>
+            <a:off x="1563624" y="2309018"/>
+            <a:ext cx="6803136" cy="4032187"/>
+          </a:xfrm>
+        </p:spPr>
         <p:txBody>
           <a:bodyPr/>
           <a:lstStyle/>
@@ -4480,8 +5382,26 @@
               </a:defRPr>
             </a:pPr>
             <a:r>
-              <a:t>calculadora_matematica(): Cálculos técnicos</a:t>
-            </a:r>
+              <a:rPr dirty="0" err="1"/>
+              <a:t>calculadora_matematica</a:t>
+            </a:r>
+            <a:r>
+              <a:rPr dirty="0"/>
+              <a:t>(): </a:t>
+            </a:r>
+            <a:r>
+              <a:rPr dirty="0" err="1"/>
+              <a:t>Cálculos</a:t>
+            </a:r>
+            <a:r>
+              <a:rPr dirty="0"/>
+              <a:t> </a:t>
+            </a:r>
+            <a:r>
+              <a:rPr dirty="0" err="1"/>
+              <a:t>técnicos</a:t>
+            </a:r>
+            <a:endParaRPr dirty="0"/>
           </a:p>
           <a:p>
             <a:pPr algn="l">
@@ -4492,7 +5412,20 @@
               </a:defRPr>
             </a:pPr>
             <a:r>
-              <a:t>buscar_informacion(): Búsqueda contextual</a:t>
+              <a:rPr dirty="0" err="1"/>
+              <a:t>buscar_informacion</a:t>
+            </a:r>
+            <a:r>
+              <a:rPr dirty="0"/>
+              <a:t>(): </a:t>
+            </a:r>
+            <a:r>
+              <a:rPr dirty="0" err="1"/>
+              <a:t>Búsqueda</a:t>
+            </a:r>
+            <a:r>
+              <a:rPr dirty="0"/>
+              <a:t> contextual</a:t>
             </a:r>
           </a:p>
           <a:p>
@@ -4504,8 +5437,26 @@
               </a:defRPr>
             </a:pPr>
             <a:r>
-              <a:t>analizar_problema(): Clasificación automática</a:t>
-            </a:r>
+              <a:rPr dirty="0" err="1"/>
+              <a:t>analizar_problema</a:t>
+            </a:r>
+            <a:r>
+              <a:rPr dirty="0"/>
+              <a:t>(): </a:t>
+            </a:r>
+            <a:r>
+              <a:rPr dirty="0" err="1"/>
+              <a:t>Clasificación</a:t>
+            </a:r>
+            <a:r>
+              <a:rPr dirty="0"/>
+              <a:t> </a:t>
+            </a:r>
+            <a:r>
+              <a:rPr dirty="0" err="1"/>
+              <a:t>automática</a:t>
+            </a:r>
+            <a:endParaRPr dirty="0"/>
           </a:p>
         </p:txBody>
       </p:sp>
